--- a/The Superhero Super Database!.pptx
+++ b/The Superhero Super Database!.pptx
@@ -8,11 +8,14 @@
     <p:sldId id="256" r:id="rId2"/>
     <p:sldId id="260" r:id="rId3"/>
     <p:sldId id="261" r:id="rId4"/>
-    <p:sldId id="257" r:id="rId5"/>
-    <p:sldId id="258" r:id="rId6"/>
-    <p:sldId id="259" r:id="rId7"/>
+    <p:sldId id="258" r:id="rId5"/>
+    <p:sldId id="259" r:id="rId6"/>
+    <p:sldId id="257" r:id="rId7"/>
     <p:sldId id="262" r:id="rId8"/>
     <p:sldId id="263" r:id="rId9"/>
+    <p:sldId id="264" r:id="rId10"/>
+    <p:sldId id="265" r:id="rId11"/>
+    <p:sldId id="266" r:id="rId12"/>
   </p:sldIdLst>
   <p:sldSz cx="12192000" cy="6858000"/>
   <p:notesSz cx="6858000" cy="9144000"/>
@@ -6242,6 +6245,189 @@
 </p:sld>
 </file>
 
+<file path=ppt/slides/slide10.xml><?xml version="1.0" encoding="utf-8"?>
+<p:sld xmlns:a="http://schemas.openxmlformats.org/drawingml/2006/main" xmlns:r="http://schemas.openxmlformats.org/officeDocument/2006/relationships" xmlns:p="http://schemas.openxmlformats.org/presentationml/2006/main">
+  <p:cSld>
+    <p:spTree>
+      <p:nvGrpSpPr>
+        <p:cNvPr id="1" name=""/>
+        <p:cNvGrpSpPr/>
+        <p:nvPr/>
+      </p:nvGrpSpPr>
+      <p:grpSpPr>
+        <a:xfrm>
+          <a:off x="0" y="0"/>
+          <a:ext cx="0" cy="0"/>
+          <a:chOff x="0" y="0"/>
+          <a:chExt cx="0" cy="0"/>
+        </a:xfrm>
+      </p:grpSpPr>
+      <p:sp>
+        <p:nvSpPr>
+          <p:cNvPr id="7" name="Title 1">
+            <a:extLst>
+              <a:ext uri="{FF2B5EF4-FFF2-40B4-BE49-F238E27FC236}">
+                <a16:creationId xmlns:a16="http://schemas.microsoft.com/office/drawing/2014/main" id="{8FA223E7-ADA1-4851-8ADB-5C62F8DCE32E}"/>
+              </a:ext>
+            </a:extLst>
+          </p:cNvPr>
+          <p:cNvSpPr>
+            <a:spLocks noGrp="1"/>
+          </p:cNvSpPr>
+          <p:nvPr>
+            <p:ph type="title"/>
+          </p:nvPr>
+        </p:nvSpPr>
+        <p:spPr>
+          <a:xfrm rot="161729">
+            <a:off x="1301681" y="1169209"/>
+            <a:ext cx="9373171" cy="1013519"/>
+          </a:xfrm>
+        </p:spPr>
+        <p:txBody>
+          <a:bodyPr/>
+          <a:lstStyle/>
+          <a:p>
+            <a:endParaRPr lang="en-US" sz="3200" dirty="0">
+              <a:latin typeface="Comic Book" panose="02000500000000000000" pitchFamily="2" charset="0"/>
+            </a:endParaRPr>
+          </a:p>
+        </p:txBody>
+      </p:sp>
+      <p:sp>
+        <p:nvSpPr>
+          <p:cNvPr id="9" name="Text Placeholder 2">
+            <a:extLst>
+              <a:ext uri="{FF2B5EF4-FFF2-40B4-BE49-F238E27FC236}">
+                <a16:creationId xmlns:a16="http://schemas.microsoft.com/office/drawing/2014/main" id="{14C6E125-EBCE-4AD7-ACF9-99208107ABE6}"/>
+              </a:ext>
+            </a:extLst>
+          </p:cNvPr>
+          <p:cNvSpPr>
+            <a:spLocks noGrp="1"/>
+          </p:cNvSpPr>
+          <p:nvPr>
+            <p:ph type="body" idx="1"/>
+          </p:nvPr>
+        </p:nvSpPr>
+        <p:spPr>
+          <a:xfrm>
+            <a:off x="1402733" y="2061256"/>
+            <a:ext cx="10281200" cy="4404800"/>
+          </a:xfrm>
+        </p:spPr>
+        <p:txBody>
+          <a:bodyPr/>
+          <a:lstStyle/>
+          <a:p>
+            <a:endParaRPr lang="en-US" sz="2400" dirty="0">
+              <a:latin typeface="Comic Book" panose="02000500000000000000" pitchFamily="2" charset="0"/>
+            </a:endParaRPr>
+          </a:p>
+        </p:txBody>
+      </p:sp>
+    </p:spTree>
+    <p:extLst>
+      <p:ext uri="{BB962C8B-B14F-4D97-AF65-F5344CB8AC3E}">
+        <p14:creationId xmlns:p14="http://schemas.microsoft.com/office/powerpoint/2010/main" val="933149848"/>
+      </p:ext>
+    </p:extLst>
+  </p:cSld>
+  <p:clrMapOvr>
+    <a:masterClrMapping/>
+  </p:clrMapOvr>
+</p:sld>
+</file>
+
+<file path=ppt/slides/slide11.xml><?xml version="1.0" encoding="utf-8"?>
+<p:sld xmlns:a="http://schemas.openxmlformats.org/drawingml/2006/main" xmlns:r="http://schemas.openxmlformats.org/officeDocument/2006/relationships" xmlns:p="http://schemas.openxmlformats.org/presentationml/2006/main">
+  <p:cSld>
+    <p:spTree>
+      <p:nvGrpSpPr>
+        <p:cNvPr id="1" name=""/>
+        <p:cNvGrpSpPr/>
+        <p:nvPr/>
+      </p:nvGrpSpPr>
+      <p:grpSpPr>
+        <a:xfrm>
+          <a:off x="0" y="0"/>
+          <a:ext cx="0" cy="0"/>
+          <a:chOff x="0" y="0"/>
+          <a:chExt cx="0" cy="0"/>
+        </a:xfrm>
+      </p:grpSpPr>
+      <p:sp>
+        <p:nvSpPr>
+          <p:cNvPr id="3" name="Title 2">
+            <a:extLst>
+              <a:ext uri="{FF2B5EF4-FFF2-40B4-BE49-F238E27FC236}">
+                <a16:creationId xmlns:a16="http://schemas.microsoft.com/office/drawing/2014/main" id="{3D60457E-0D06-4283-A7BB-0B00EF30C643}"/>
+              </a:ext>
+            </a:extLst>
+          </p:cNvPr>
+          <p:cNvSpPr>
+            <a:spLocks noGrp="1"/>
+          </p:cNvSpPr>
+          <p:nvPr>
+            <p:ph type="title"/>
+          </p:nvPr>
+        </p:nvSpPr>
+        <p:spPr/>
+        <p:txBody>
+          <a:bodyPr/>
+          <a:lstStyle/>
+          <a:p>
+            <a:endParaRPr lang="en-US" sz="3200" dirty="0">
+              <a:latin typeface="Comic Book" panose="02000500000000000000" pitchFamily="2" charset="0"/>
+            </a:endParaRPr>
+          </a:p>
+        </p:txBody>
+      </p:sp>
+      <p:sp>
+        <p:nvSpPr>
+          <p:cNvPr id="4" name="Text Placeholder 3">
+            <a:extLst>
+              <a:ext uri="{FF2B5EF4-FFF2-40B4-BE49-F238E27FC236}">
+                <a16:creationId xmlns:a16="http://schemas.microsoft.com/office/drawing/2014/main" id="{6DBB9790-F1DA-4EAD-9AB2-3164FBC48444}"/>
+              </a:ext>
+            </a:extLst>
+          </p:cNvPr>
+          <p:cNvSpPr>
+            <a:spLocks noGrp="1"/>
+          </p:cNvSpPr>
+          <p:nvPr>
+            <p:ph type="body" idx="1"/>
+          </p:nvPr>
+        </p:nvSpPr>
+        <p:spPr>
+          <a:xfrm>
+            <a:off x="1203932" y="2402566"/>
+            <a:ext cx="9410465" cy="3435933"/>
+          </a:xfrm>
+        </p:spPr>
+        <p:txBody>
+          <a:bodyPr/>
+          <a:lstStyle/>
+          <a:p>
+            <a:endParaRPr lang="en-US" dirty="0">
+              <a:latin typeface="Comic Book" panose="02000500000000000000" pitchFamily="2" charset="0"/>
+            </a:endParaRPr>
+          </a:p>
+        </p:txBody>
+      </p:sp>
+    </p:spTree>
+    <p:extLst>
+      <p:ext uri="{BB962C8B-B14F-4D97-AF65-F5344CB8AC3E}">
+        <p14:creationId xmlns:p14="http://schemas.microsoft.com/office/powerpoint/2010/main" val="4070690469"/>
+      </p:ext>
+    </p:extLst>
+  </p:cSld>
+  <p:clrMapOvr>
+    <a:masterClrMapping/>
+  </p:clrMapOvr>
+</p:sld>
+</file>
+
 <file path=ppt/slides/slide2.xml><?xml version="1.0" encoding="utf-8"?>
 <p:sld xmlns:a="http://schemas.openxmlformats.org/drawingml/2006/main" xmlns:r="http://schemas.openxmlformats.org/officeDocument/2006/relationships" xmlns:p="http://schemas.openxmlformats.org/presentationml/2006/main">
   <p:cSld>
@@ -6588,6 +6774,347 @@
       </p:grpSpPr>
       <p:sp>
         <p:nvSpPr>
+          <p:cNvPr id="2" name="Title 1">
+            <a:extLst>
+              <a:ext uri="{FF2B5EF4-FFF2-40B4-BE49-F238E27FC236}">
+                <a16:creationId xmlns:a16="http://schemas.microsoft.com/office/drawing/2014/main" id="{BA13E7F9-1C8E-4574-888B-F0E090813C7B}"/>
+              </a:ext>
+            </a:extLst>
+          </p:cNvPr>
+          <p:cNvSpPr>
+            <a:spLocks noGrp="1"/>
+          </p:cNvSpPr>
+          <p:nvPr>
+            <p:ph type="title"/>
+          </p:nvPr>
+        </p:nvSpPr>
+        <p:spPr>
+          <a:xfrm rot="161729">
+            <a:off x="1301682" y="1062333"/>
+            <a:ext cx="9373171" cy="1013519"/>
+          </a:xfrm>
+        </p:spPr>
+        <p:txBody>
+          <a:bodyPr/>
+          <a:lstStyle/>
+          <a:p>
+            <a:r>
+              <a:rPr lang="en-US" sz="4000" b="1" i="1" dirty="0">
+                <a:latin typeface="Comic Book" panose="02000500000000000000" pitchFamily="2" charset="0"/>
+              </a:rPr>
+              <a:t>WHAM! </a:t>
+            </a:r>
+            <a:r>
+              <a:rPr lang="en-US" sz="4000" dirty="0">
+                <a:latin typeface="Comic Book" panose="02000500000000000000" pitchFamily="2" charset="0"/>
+              </a:rPr>
+              <a:t>Who are these People?</a:t>
+            </a:r>
+          </a:p>
+        </p:txBody>
+      </p:sp>
+      <p:sp>
+        <p:nvSpPr>
+          <p:cNvPr id="3" name="Text Placeholder 2">
+            <a:extLst>
+              <a:ext uri="{FF2B5EF4-FFF2-40B4-BE49-F238E27FC236}">
+                <a16:creationId xmlns:a16="http://schemas.microsoft.com/office/drawing/2014/main" id="{0D9EFE3E-F69A-40CC-BA80-C22A7A724604}"/>
+              </a:ext>
+            </a:extLst>
+          </p:cNvPr>
+          <p:cNvSpPr>
+            <a:spLocks noGrp="1"/>
+          </p:cNvSpPr>
+          <p:nvPr>
+            <p:ph type="body" idx="1"/>
+          </p:nvPr>
+        </p:nvSpPr>
+        <p:spPr>
+          <a:xfrm>
+            <a:off x="1402733" y="2061256"/>
+            <a:ext cx="4693267" cy="4404800"/>
+          </a:xfrm>
+        </p:spPr>
+        <p:txBody>
+          <a:bodyPr/>
+          <a:lstStyle/>
+          <a:p>
+            <a:r>
+              <a:rPr lang="en-US" dirty="0">
+                <a:latin typeface="Comic Book" panose="02000500000000000000" pitchFamily="2" charset="0"/>
+              </a:rPr>
+              <a:t>The Bio page</a:t>
+            </a:r>
+          </a:p>
+          <a:p>
+            <a:r>
+              <a:rPr lang="en-US" dirty="0">
+                <a:latin typeface="Comic Book" panose="02000500000000000000" pitchFamily="2" charset="0"/>
+              </a:rPr>
+              <a:t>Searchable</a:t>
+            </a:r>
+          </a:p>
+          <a:p>
+            <a:r>
+              <a:rPr lang="en-US" dirty="0">
+                <a:latin typeface="Comic Book" panose="02000500000000000000" pitchFamily="2" charset="0"/>
+              </a:rPr>
+              <a:t>Learn the backstory or biography for all the characters</a:t>
+            </a:r>
+          </a:p>
+        </p:txBody>
+      </p:sp>
+      <p:pic>
+        <p:nvPicPr>
+          <p:cNvPr id="2050" name="Picture 2" descr="Superhero Showdown: Why Marvel is Better Than DC">
+            <a:extLst>
+              <a:ext uri="{FF2B5EF4-FFF2-40B4-BE49-F238E27FC236}">
+                <a16:creationId xmlns:a16="http://schemas.microsoft.com/office/drawing/2014/main" id="{C2AEDC64-E753-4ADF-B35C-035FB4CEEB6D}"/>
+              </a:ext>
+            </a:extLst>
+          </p:cNvPr>
+          <p:cNvPicPr>
+            <a:picLocks noChangeAspect="1" noChangeArrowheads="1"/>
+          </p:cNvPicPr>
+          <p:nvPr/>
+        </p:nvPicPr>
+        <p:blipFill>
+          <a:blip r:embed="rId2">
+            <a:extLst>
+              <a:ext uri="{28A0092B-C50C-407E-A947-70E740481C1C}">
+                <a14:useLocalDpi xmlns:a14="http://schemas.microsoft.com/office/drawing/2010/main" val="0"/>
+              </a:ext>
+            </a:extLst>
+          </a:blip>
+          <a:srcRect/>
+          <a:stretch>
+            <a:fillRect/>
+          </a:stretch>
+        </p:blipFill>
+        <p:spPr bwMode="auto">
+          <a:xfrm>
+            <a:off x="6488851" y="2775375"/>
+            <a:ext cx="4204648" cy="2629427"/>
+          </a:xfrm>
+          <a:prstGeom prst="rect">
+            <a:avLst/>
+          </a:prstGeom>
+          <a:noFill/>
+          <a:extLst>
+            <a:ext uri="{909E8E84-426E-40DD-AFC4-6F175D3DCCD1}">
+              <a14:hiddenFill xmlns:a14="http://schemas.microsoft.com/office/drawing/2010/main">
+                <a:solidFill>
+                  <a:srgbClr val="FFFFFF"/>
+                </a:solidFill>
+              </a14:hiddenFill>
+            </a:ext>
+          </a:extLst>
+        </p:spPr>
+      </p:pic>
+    </p:spTree>
+    <p:extLst>
+      <p:ext uri="{BB962C8B-B14F-4D97-AF65-F5344CB8AC3E}">
+        <p14:creationId xmlns:p14="http://schemas.microsoft.com/office/powerpoint/2010/main" val="846595202"/>
+      </p:ext>
+    </p:extLst>
+  </p:cSld>
+  <p:clrMapOvr>
+    <a:masterClrMapping/>
+  </p:clrMapOvr>
+</p:sld>
+</file>
+
+<file path=ppt/slides/slide5.xml><?xml version="1.0" encoding="utf-8"?>
+<p:sld xmlns:a="http://schemas.openxmlformats.org/drawingml/2006/main" xmlns:r="http://schemas.openxmlformats.org/officeDocument/2006/relationships" xmlns:p="http://schemas.openxmlformats.org/presentationml/2006/main">
+  <p:cSld>
+    <p:spTree>
+      <p:nvGrpSpPr>
+        <p:cNvPr id="1" name=""/>
+        <p:cNvGrpSpPr/>
+        <p:nvPr/>
+      </p:nvGrpSpPr>
+      <p:grpSpPr>
+        <a:xfrm>
+          <a:off x="0" y="0"/>
+          <a:ext cx="0" cy="0"/>
+          <a:chOff x="0" y="0"/>
+          <a:chExt cx="0" cy="0"/>
+        </a:xfrm>
+      </p:grpSpPr>
+      <p:sp>
+        <p:nvSpPr>
+          <p:cNvPr id="2" name="Title 1">
+            <a:extLst>
+              <a:ext uri="{FF2B5EF4-FFF2-40B4-BE49-F238E27FC236}">
+                <a16:creationId xmlns:a16="http://schemas.microsoft.com/office/drawing/2014/main" id="{A77C585A-B8A4-4BB1-972D-0B4FBF38ACF7}"/>
+              </a:ext>
+            </a:extLst>
+          </p:cNvPr>
+          <p:cNvSpPr>
+            <a:spLocks noGrp="1"/>
+          </p:cNvSpPr>
+          <p:nvPr>
+            <p:ph type="title"/>
+          </p:nvPr>
+        </p:nvSpPr>
+        <p:spPr>
+          <a:xfrm rot="161729">
+            <a:off x="1301503" y="833970"/>
+            <a:ext cx="9695222" cy="1013519"/>
+          </a:xfrm>
+        </p:spPr>
+        <p:txBody>
+          <a:bodyPr/>
+          <a:lstStyle/>
+          <a:p>
+            <a:r>
+              <a:rPr lang="en-US" sz="3600" b="1" i="1" dirty="0">
+                <a:latin typeface="Comic Book" panose="02000500000000000000" pitchFamily="2" charset="0"/>
+              </a:rPr>
+              <a:t>BOOM!</a:t>
+            </a:r>
+            <a:r>
+              <a:rPr lang="en-US" sz="3600" dirty="0">
+                <a:latin typeface="Comic Book" panose="02000500000000000000" pitchFamily="2" charset="0"/>
+              </a:rPr>
+              <a:t> Who are the most powerful?</a:t>
+            </a:r>
+            <a:endParaRPr lang="en-US" sz="3600" b="1" i="1" dirty="0">
+              <a:latin typeface="Comic Book" panose="02000500000000000000" pitchFamily="2" charset="0"/>
+            </a:endParaRPr>
+          </a:p>
+        </p:txBody>
+      </p:sp>
+      <p:sp>
+        <p:nvSpPr>
+          <p:cNvPr id="3" name="Text Placeholder 2">
+            <a:extLst>
+              <a:ext uri="{FF2B5EF4-FFF2-40B4-BE49-F238E27FC236}">
+                <a16:creationId xmlns:a16="http://schemas.microsoft.com/office/drawing/2014/main" id="{2F0D634B-4F5B-457B-B7F5-3897506BD23A}"/>
+              </a:ext>
+            </a:extLst>
+          </p:cNvPr>
+          <p:cNvSpPr>
+            <a:spLocks noGrp="1"/>
+          </p:cNvSpPr>
+          <p:nvPr>
+            <p:ph type="body" idx="1"/>
+          </p:nvPr>
+        </p:nvSpPr>
+        <p:spPr>
+          <a:xfrm>
+            <a:off x="1203933" y="2074900"/>
+            <a:ext cx="4329968" cy="3763600"/>
+          </a:xfrm>
+        </p:spPr>
+        <p:txBody>
+          <a:bodyPr anchor="ctr"/>
+          <a:lstStyle/>
+          <a:p>
+            <a:r>
+              <a:rPr lang="en-US" dirty="0">
+                <a:latin typeface="Comic Book" panose="02000500000000000000" pitchFamily="2" charset="0"/>
+              </a:rPr>
+              <a:t>Top 50!</a:t>
+            </a:r>
+          </a:p>
+          <a:p>
+            <a:r>
+              <a:rPr lang="en-US" dirty="0">
+                <a:latin typeface="Comic Book" panose="02000500000000000000" pitchFamily="2" charset="0"/>
+              </a:rPr>
+              <a:t>Find out who are the strongest, fastest, best fighters, etc.</a:t>
+            </a:r>
+          </a:p>
+          <a:p>
+            <a:r>
+              <a:rPr lang="en-US" dirty="0">
+                <a:latin typeface="Comic Book" panose="02000500000000000000" pitchFamily="2" charset="0"/>
+              </a:rPr>
+              <a:t>Can be sorted by stats</a:t>
+            </a:r>
+          </a:p>
+        </p:txBody>
+      </p:sp>
+      <p:pic>
+        <p:nvPicPr>
+          <p:cNvPr id="3074" name="Picture 2">
+            <a:extLst>
+              <a:ext uri="{FF2B5EF4-FFF2-40B4-BE49-F238E27FC236}">
+                <a16:creationId xmlns:a16="http://schemas.microsoft.com/office/drawing/2014/main" id="{AEE47630-066F-433E-B6CE-8E1AA8AB79FB}"/>
+              </a:ext>
+            </a:extLst>
+          </p:cNvPr>
+          <p:cNvPicPr>
+            <a:picLocks noChangeAspect="1" noChangeArrowheads="1"/>
+          </p:cNvPicPr>
+          <p:nvPr/>
+        </p:nvPicPr>
+        <p:blipFill>
+          <a:blip r:embed="rId2">
+            <a:extLst>
+              <a:ext uri="{28A0092B-C50C-407E-A947-70E740481C1C}">
+                <a14:useLocalDpi xmlns:a14="http://schemas.microsoft.com/office/drawing/2010/main" val="0"/>
+              </a:ext>
+            </a:extLst>
+          </a:blip>
+          <a:srcRect/>
+          <a:stretch>
+            <a:fillRect/>
+          </a:stretch>
+        </p:blipFill>
+        <p:spPr bwMode="auto">
+          <a:xfrm>
+            <a:off x="5735782" y="1981481"/>
+            <a:ext cx="5173184" cy="3904290"/>
+          </a:xfrm>
+          <a:prstGeom prst="rect">
+            <a:avLst/>
+          </a:prstGeom>
+          <a:noFill/>
+          <a:extLst>
+            <a:ext uri="{909E8E84-426E-40DD-AFC4-6F175D3DCCD1}">
+              <a14:hiddenFill xmlns:a14="http://schemas.microsoft.com/office/drawing/2010/main">
+                <a:solidFill>
+                  <a:srgbClr val="FFFFFF"/>
+                </a:solidFill>
+              </a14:hiddenFill>
+            </a:ext>
+          </a:extLst>
+        </p:spPr>
+      </p:pic>
+    </p:spTree>
+    <p:extLst>
+      <p:ext uri="{BB962C8B-B14F-4D97-AF65-F5344CB8AC3E}">
+        <p14:creationId xmlns:p14="http://schemas.microsoft.com/office/powerpoint/2010/main" val="2654235107"/>
+      </p:ext>
+    </p:extLst>
+  </p:cSld>
+  <p:clrMapOvr>
+    <a:masterClrMapping/>
+  </p:clrMapOvr>
+</p:sld>
+</file>
+
+<file path=ppt/slides/slide6.xml><?xml version="1.0" encoding="utf-8"?>
+<p:sld xmlns:a="http://schemas.openxmlformats.org/drawingml/2006/main" xmlns:r="http://schemas.openxmlformats.org/officeDocument/2006/relationships" xmlns:p="http://schemas.openxmlformats.org/presentationml/2006/main">
+  <p:cSld>
+    <p:spTree>
+      <p:nvGrpSpPr>
+        <p:cNvPr id="1" name=""/>
+        <p:cNvGrpSpPr/>
+        <p:nvPr/>
+      </p:nvGrpSpPr>
+      <p:grpSpPr>
+        <a:xfrm>
+          <a:off x="0" y="0"/>
+          <a:ext cx="0" cy="0"/>
+          <a:chOff x="0" y="0"/>
+          <a:chExt cx="0" cy="0"/>
+        </a:xfrm>
+      </p:grpSpPr>
+      <p:sp>
+        <p:nvSpPr>
           <p:cNvPr id="8" name="Title 1">
             <a:extLst>
               <a:ext uri="{FF2B5EF4-FFF2-40B4-BE49-F238E27FC236}">
@@ -6773,347 +7300,6 @@
 </p:sld>
 </file>
 
-<file path=ppt/slides/slide5.xml><?xml version="1.0" encoding="utf-8"?>
-<p:sld xmlns:a="http://schemas.openxmlformats.org/drawingml/2006/main" xmlns:r="http://schemas.openxmlformats.org/officeDocument/2006/relationships" xmlns:p="http://schemas.openxmlformats.org/presentationml/2006/main">
-  <p:cSld>
-    <p:spTree>
-      <p:nvGrpSpPr>
-        <p:cNvPr id="1" name=""/>
-        <p:cNvGrpSpPr/>
-        <p:nvPr/>
-      </p:nvGrpSpPr>
-      <p:grpSpPr>
-        <a:xfrm>
-          <a:off x="0" y="0"/>
-          <a:ext cx="0" cy="0"/>
-          <a:chOff x="0" y="0"/>
-          <a:chExt cx="0" cy="0"/>
-        </a:xfrm>
-      </p:grpSpPr>
-      <p:sp>
-        <p:nvSpPr>
-          <p:cNvPr id="2" name="Title 1">
-            <a:extLst>
-              <a:ext uri="{FF2B5EF4-FFF2-40B4-BE49-F238E27FC236}">
-                <a16:creationId xmlns:a16="http://schemas.microsoft.com/office/drawing/2014/main" id="{BA13E7F9-1C8E-4574-888B-F0E090813C7B}"/>
-              </a:ext>
-            </a:extLst>
-          </p:cNvPr>
-          <p:cNvSpPr>
-            <a:spLocks noGrp="1"/>
-          </p:cNvSpPr>
-          <p:nvPr>
-            <p:ph type="title"/>
-          </p:nvPr>
-        </p:nvSpPr>
-        <p:spPr>
-          <a:xfrm rot="161729">
-            <a:off x="1301682" y="1062333"/>
-            <a:ext cx="9373171" cy="1013519"/>
-          </a:xfrm>
-        </p:spPr>
-        <p:txBody>
-          <a:bodyPr/>
-          <a:lstStyle/>
-          <a:p>
-            <a:r>
-              <a:rPr lang="en-US" sz="4000" b="1" i="1" dirty="0">
-                <a:latin typeface="Comic Book" panose="02000500000000000000" pitchFamily="2" charset="0"/>
-              </a:rPr>
-              <a:t>WHAM! </a:t>
-            </a:r>
-            <a:r>
-              <a:rPr lang="en-US" sz="4000" dirty="0">
-                <a:latin typeface="Comic Book" panose="02000500000000000000" pitchFamily="2" charset="0"/>
-              </a:rPr>
-              <a:t>Who are these People?</a:t>
-            </a:r>
-          </a:p>
-        </p:txBody>
-      </p:sp>
-      <p:sp>
-        <p:nvSpPr>
-          <p:cNvPr id="3" name="Text Placeholder 2">
-            <a:extLst>
-              <a:ext uri="{FF2B5EF4-FFF2-40B4-BE49-F238E27FC236}">
-                <a16:creationId xmlns:a16="http://schemas.microsoft.com/office/drawing/2014/main" id="{0D9EFE3E-F69A-40CC-BA80-C22A7A724604}"/>
-              </a:ext>
-            </a:extLst>
-          </p:cNvPr>
-          <p:cNvSpPr>
-            <a:spLocks noGrp="1"/>
-          </p:cNvSpPr>
-          <p:nvPr>
-            <p:ph type="body" idx="1"/>
-          </p:nvPr>
-        </p:nvSpPr>
-        <p:spPr>
-          <a:xfrm>
-            <a:off x="1402733" y="2061256"/>
-            <a:ext cx="4693267" cy="4404800"/>
-          </a:xfrm>
-        </p:spPr>
-        <p:txBody>
-          <a:bodyPr/>
-          <a:lstStyle/>
-          <a:p>
-            <a:r>
-              <a:rPr lang="en-US" dirty="0">
-                <a:latin typeface="Comic Book" panose="02000500000000000000" pitchFamily="2" charset="0"/>
-              </a:rPr>
-              <a:t>The Bio page</a:t>
-            </a:r>
-          </a:p>
-          <a:p>
-            <a:r>
-              <a:rPr lang="en-US" dirty="0">
-                <a:latin typeface="Comic Book" panose="02000500000000000000" pitchFamily="2" charset="0"/>
-              </a:rPr>
-              <a:t>Searchable</a:t>
-            </a:r>
-          </a:p>
-          <a:p>
-            <a:r>
-              <a:rPr lang="en-US" dirty="0">
-                <a:latin typeface="Comic Book" panose="02000500000000000000" pitchFamily="2" charset="0"/>
-              </a:rPr>
-              <a:t>Learn the backstory or biography for all the characters</a:t>
-            </a:r>
-          </a:p>
-        </p:txBody>
-      </p:sp>
-      <p:pic>
-        <p:nvPicPr>
-          <p:cNvPr id="2050" name="Picture 2" descr="Superhero Showdown: Why Marvel is Better Than DC">
-            <a:extLst>
-              <a:ext uri="{FF2B5EF4-FFF2-40B4-BE49-F238E27FC236}">
-                <a16:creationId xmlns:a16="http://schemas.microsoft.com/office/drawing/2014/main" id="{C2AEDC64-E753-4ADF-B35C-035FB4CEEB6D}"/>
-              </a:ext>
-            </a:extLst>
-          </p:cNvPr>
-          <p:cNvPicPr>
-            <a:picLocks noChangeAspect="1" noChangeArrowheads="1"/>
-          </p:cNvPicPr>
-          <p:nvPr/>
-        </p:nvPicPr>
-        <p:blipFill>
-          <a:blip r:embed="rId2">
-            <a:extLst>
-              <a:ext uri="{28A0092B-C50C-407E-A947-70E740481C1C}">
-                <a14:useLocalDpi xmlns:a14="http://schemas.microsoft.com/office/drawing/2010/main" val="0"/>
-              </a:ext>
-            </a:extLst>
-          </a:blip>
-          <a:srcRect/>
-          <a:stretch>
-            <a:fillRect/>
-          </a:stretch>
-        </p:blipFill>
-        <p:spPr bwMode="auto">
-          <a:xfrm>
-            <a:off x="6488851" y="2775375"/>
-            <a:ext cx="4204648" cy="2629427"/>
-          </a:xfrm>
-          <a:prstGeom prst="rect">
-            <a:avLst/>
-          </a:prstGeom>
-          <a:noFill/>
-          <a:extLst>
-            <a:ext uri="{909E8E84-426E-40DD-AFC4-6F175D3DCCD1}">
-              <a14:hiddenFill xmlns:a14="http://schemas.microsoft.com/office/drawing/2010/main">
-                <a:solidFill>
-                  <a:srgbClr val="FFFFFF"/>
-                </a:solidFill>
-              </a14:hiddenFill>
-            </a:ext>
-          </a:extLst>
-        </p:spPr>
-      </p:pic>
-    </p:spTree>
-    <p:extLst>
-      <p:ext uri="{BB962C8B-B14F-4D97-AF65-F5344CB8AC3E}">
-        <p14:creationId xmlns:p14="http://schemas.microsoft.com/office/powerpoint/2010/main" val="846595202"/>
-      </p:ext>
-    </p:extLst>
-  </p:cSld>
-  <p:clrMapOvr>
-    <a:masterClrMapping/>
-  </p:clrMapOvr>
-</p:sld>
-</file>
-
-<file path=ppt/slides/slide6.xml><?xml version="1.0" encoding="utf-8"?>
-<p:sld xmlns:a="http://schemas.openxmlformats.org/drawingml/2006/main" xmlns:r="http://schemas.openxmlformats.org/officeDocument/2006/relationships" xmlns:p="http://schemas.openxmlformats.org/presentationml/2006/main">
-  <p:cSld>
-    <p:spTree>
-      <p:nvGrpSpPr>
-        <p:cNvPr id="1" name=""/>
-        <p:cNvGrpSpPr/>
-        <p:nvPr/>
-      </p:nvGrpSpPr>
-      <p:grpSpPr>
-        <a:xfrm>
-          <a:off x="0" y="0"/>
-          <a:ext cx="0" cy="0"/>
-          <a:chOff x="0" y="0"/>
-          <a:chExt cx="0" cy="0"/>
-        </a:xfrm>
-      </p:grpSpPr>
-      <p:sp>
-        <p:nvSpPr>
-          <p:cNvPr id="2" name="Title 1">
-            <a:extLst>
-              <a:ext uri="{FF2B5EF4-FFF2-40B4-BE49-F238E27FC236}">
-                <a16:creationId xmlns:a16="http://schemas.microsoft.com/office/drawing/2014/main" id="{A77C585A-B8A4-4BB1-972D-0B4FBF38ACF7}"/>
-              </a:ext>
-            </a:extLst>
-          </p:cNvPr>
-          <p:cNvSpPr>
-            <a:spLocks noGrp="1"/>
-          </p:cNvSpPr>
-          <p:nvPr>
-            <p:ph type="title"/>
-          </p:nvPr>
-        </p:nvSpPr>
-        <p:spPr>
-          <a:xfrm rot="161729">
-            <a:off x="1301503" y="833970"/>
-            <a:ext cx="9695222" cy="1013519"/>
-          </a:xfrm>
-        </p:spPr>
-        <p:txBody>
-          <a:bodyPr/>
-          <a:lstStyle/>
-          <a:p>
-            <a:r>
-              <a:rPr lang="en-US" sz="3600" b="1" i="1" dirty="0">
-                <a:latin typeface="Comic Book" panose="02000500000000000000" pitchFamily="2" charset="0"/>
-              </a:rPr>
-              <a:t>BOOM!</a:t>
-            </a:r>
-            <a:r>
-              <a:rPr lang="en-US" sz="3600" dirty="0">
-                <a:latin typeface="Comic Book" panose="02000500000000000000" pitchFamily="2" charset="0"/>
-              </a:rPr>
-              <a:t> Who are the most powerful?</a:t>
-            </a:r>
-            <a:endParaRPr lang="en-US" sz="3600" b="1" i="1" dirty="0">
-              <a:latin typeface="Comic Book" panose="02000500000000000000" pitchFamily="2" charset="0"/>
-            </a:endParaRPr>
-          </a:p>
-        </p:txBody>
-      </p:sp>
-      <p:sp>
-        <p:nvSpPr>
-          <p:cNvPr id="3" name="Text Placeholder 2">
-            <a:extLst>
-              <a:ext uri="{FF2B5EF4-FFF2-40B4-BE49-F238E27FC236}">
-                <a16:creationId xmlns:a16="http://schemas.microsoft.com/office/drawing/2014/main" id="{2F0D634B-4F5B-457B-B7F5-3897506BD23A}"/>
-              </a:ext>
-            </a:extLst>
-          </p:cNvPr>
-          <p:cNvSpPr>
-            <a:spLocks noGrp="1"/>
-          </p:cNvSpPr>
-          <p:nvPr>
-            <p:ph type="body" idx="1"/>
-          </p:nvPr>
-        </p:nvSpPr>
-        <p:spPr>
-          <a:xfrm>
-            <a:off x="1203933" y="2074900"/>
-            <a:ext cx="4329968" cy="3763600"/>
-          </a:xfrm>
-        </p:spPr>
-        <p:txBody>
-          <a:bodyPr anchor="ctr"/>
-          <a:lstStyle/>
-          <a:p>
-            <a:r>
-              <a:rPr lang="en-US" dirty="0">
-                <a:latin typeface="Comic Book" panose="02000500000000000000" pitchFamily="2" charset="0"/>
-              </a:rPr>
-              <a:t>Top 50!</a:t>
-            </a:r>
-          </a:p>
-          <a:p>
-            <a:r>
-              <a:rPr lang="en-US" dirty="0">
-                <a:latin typeface="Comic Book" panose="02000500000000000000" pitchFamily="2" charset="0"/>
-              </a:rPr>
-              <a:t>Find out who are the strongest, fastest, best fighters, etc.</a:t>
-            </a:r>
-          </a:p>
-          <a:p>
-            <a:r>
-              <a:rPr lang="en-US" dirty="0">
-                <a:latin typeface="Comic Book" panose="02000500000000000000" pitchFamily="2" charset="0"/>
-              </a:rPr>
-              <a:t>Can be sorted by stats</a:t>
-            </a:r>
-          </a:p>
-        </p:txBody>
-      </p:sp>
-      <p:pic>
-        <p:nvPicPr>
-          <p:cNvPr id="3074" name="Picture 2">
-            <a:extLst>
-              <a:ext uri="{FF2B5EF4-FFF2-40B4-BE49-F238E27FC236}">
-                <a16:creationId xmlns:a16="http://schemas.microsoft.com/office/drawing/2014/main" id="{AEE47630-066F-433E-B6CE-8E1AA8AB79FB}"/>
-              </a:ext>
-            </a:extLst>
-          </p:cNvPr>
-          <p:cNvPicPr>
-            <a:picLocks noChangeAspect="1" noChangeArrowheads="1"/>
-          </p:cNvPicPr>
-          <p:nvPr/>
-        </p:nvPicPr>
-        <p:blipFill>
-          <a:blip r:embed="rId2">
-            <a:extLst>
-              <a:ext uri="{28A0092B-C50C-407E-A947-70E740481C1C}">
-                <a14:useLocalDpi xmlns:a14="http://schemas.microsoft.com/office/drawing/2010/main" val="0"/>
-              </a:ext>
-            </a:extLst>
-          </a:blip>
-          <a:srcRect/>
-          <a:stretch>
-            <a:fillRect/>
-          </a:stretch>
-        </p:blipFill>
-        <p:spPr bwMode="auto">
-          <a:xfrm>
-            <a:off x="5735782" y="1981481"/>
-            <a:ext cx="5173184" cy="3904290"/>
-          </a:xfrm>
-          <a:prstGeom prst="rect">
-            <a:avLst/>
-          </a:prstGeom>
-          <a:noFill/>
-          <a:extLst>
-            <a:ext uri="{909E8E84-426E-40DD-AFC4-6F175D3DCCD1}">
-              <a14:hiddenFill xmlns:a14="http://schemas.microsoft.com/office/drawing/2010/main">
-                <a:solidFill>
-                  <a:srgbClr val="FFFFFF"/>
-                </a:solidFill>
-              </a14:hiddenFill>
-            </a:ext>
-          </a:extLst>
-        </p:spPr>
-      </p:pic>
-    </p:spTree>
-    <p:extLst>
-      <p:ext uri="{BB962C8B-B14F-4D97-AF65-F5344CB8AC3E}">
-        <p14:creationId xmlns:p14="http://schemas.microsoft.com/office/powerpoint/2010/main" val="2654235107"/>
-      </p:ext>
-    </p:extLst>
-  </p:cSld>
-  <p:clrMapOvr>
-    <a:masterClrMapping/>
-  </p:clrMapOvr>
-</p:sld>
-</file>
-
 <file path=ppt/slides/slide7.xml><?xml version="1.0" encoding="utf-8"?>
 <p:sld xmlns:a="http://schemas.openxmlformats.org/drawingml/2006/main" xmlns:r="http://schemas.openxmlformats.org/officeDocument/2006/relationships" xmlns:p="http://schemas.openxmlformats.org/presentationml/2006/main">
   <p:cSld>
@@ -7267,7 +7453,9 @@
           <a:bodyPr/>
           <a:lstStyle/>
           <a:p>
-            <a:endParaRPr lang="en-US"/>
+            <a:endParaRPr lang="en-US" sz="3200" dirty="0">
+              <a:latin typeface="Comic Book" panose="02000500000000000000" pitchFamily="2" charset="0"/>
+            </a:endParaRPr>
           </a:p>
         </p:txBody>
       </p:sp>
@@ -7275,6 +7463,95 @@
     <p:extLst>
       <p:ext uri="{BB962C8B-B14F-4D97-AF65-F5344CB8AC3E}">
         <p14:creationId xmlns:p14="http://schemas.microsoft.com/office/powerpoint/2010/main" val="3915719242"/>
+      </p:ext>
+    </p:extLst>
+  </p:cSld>
+  <p:clrMapOvr>
+    <a:masterClrMapping/>
+  </p:clrMapOvr>
+</p:sld>
+</file>
+
+<file path=ppt/slides/slide9.xml><?xml version="1.0" encoding="utf-8"?>
+<p:sld xmlns:a="http://schemas.openxmlformats.org/drawingml/2006/main" xmlns:r="http://schemas.openxmlformats.org/officeDocument/2006/relationships" xmlns:p="http://schemas.openxmlformats.org/presentationml/2006/main">
+  <p:cSld>
+    <p:spTree>
+      <p:nvGrpSpPr>
+        <p:cNvPr id="1" name=""/>
+        <p:cNvGrpSpPr/>
+        <p:nvPr/>
+      </p:nvGrpSpPr>
+      <p:grpSpPr>
+        <a:xfrm>
+          <a:off x="0" y="0"/>
+          <a:ext cx="0" cy="0"/>
+          <a:chOff x="0" y="0"/>
+          <a:chExt cx="0" cy="0"/>
+        </a:xfrm>
+      </p:grpSpPr>
+      <p:sp>
+        <p:nvSpPr>
+          <p:cNvPr id="3" name="Title 2">
+            <a:extLst>
+              <a:ext uri="{FF2B5EF4-FFF2-40B4-BE49-F238E27FC236}">
+                <a16:creationId xmlns:a16="http://schemas.microsoft.com/office/drawing/2014/main" id="{057BE69E-9378-401D-B4D3-41158159EDD4}"/>
+              </a:ext>
+            </a:extLst>
+          </p:cNvPr>
+          <p:cNvSpPr>
+            <a:spLocks noGrp="1"/>
+          </p:cNvSpPr>
+          <p:nvPr>
+            <p:ph type="title"/>
+          </p:nvPr>
+        </p:nvSpPr>
+        <p:spPr/>
+        <p:txBody>
+          <a:bodyPr/>
+          <a:lstStyle/>
+          <a:p>
+            <a:endParaRPr lang="en-US" sz="3200" dirty="0">
+              <a:latin typeface="Comic Book" panose="02000500000000000000" pitchFamily="2" charset="0"/>
+            </a:endParaRPr>
+          </a:p>
+        </p:txBody>
+      </p:sp>
+      <p:sp>
+        <p:nvSpPr>
+          <p:cNvPr id="4" name="Text Placeholder 3">
+            <a:extLst>
+              <a:ext uri="{FF2B5EF4-FFF2-40B4-BE49-F238E27FC236}">
+                <a16:creationId xmlns:a16="http://schemas.microsoft.com/office/drawing/2014/main" id="{75B59D07-B2A5-4A7E-B618-08AF196DCA43}"/>
+              </a:ext>
+            </a:extLst>
+          </p:cNvPr>
+          <p:cNvSpPr>
+            <a:spLocks noGrp="1"/>
+          </p:cNvSpPr>
+          <p:nvPr>
+            <p:ph type="body" idx="1"/>
+          </p:nvPr>
+        </p:nvSpPr>
+        <p:spPr>
+          <a:xfrm>
+            <a:off x="1431499" y="2402567"/>
+            <a:ext cx="9261999" cy="3219066"/>
+          </a:xfrm>
+        </p:spPr>
+        <p:txBody>
+          <a:bodyPr/>
+          <a:lstStyle/>
+          <a:p>
+            <a:endParaRPr lang="en-US" sz="2400" dirty="0">
+              <a:latin typeface="Comic Book" panose="02000500000000000000" pitchFamily="2" charset="0"/>
+            </a:endParaRPr>
+          </a:p>
+        </p:txBody>
+      </p:sp>
+    </p:spTree>
+    <p:extLst>
+      <p:ext uri="{BB962C8B-B14F-4D97-AF65-F5344CB8AC3E}">
+        <p14:creationId xmlns:p14="http://schemas.microsoft.com/office/powerpoint/2010/main" val="4018243230"/>
       </p:ext>
     </p:extLst>
   </p:cSld>

--- a/The Superhero Super Database!.pptx
+++ b/The Superhero Super Database!.pptx
@@ -714,7 +714,7 @@
           <a:p>
             <a:fld id="{0E9B3F23-11D9-4B22-BDD4-DB721DBE179D}" type="datetimeFigureOut">
               <a:rPr lang="en-US" smtClean="0"/>
-              <a:t>10/20/2020</a:t>
+              <a:t>10/22/2020</a:t>
             </a:fld>
             <a:endParaRPr lang="en-US"/>
           </a:p>
@@ -6288,9 +6288,13 @@
           <a:bodyPr/>
           <a:lstStyle/>
           <a:p>
-            <a:endParaRPr lang="en-US" sz="3200" dirty="0">
-              <a:latin typeface="Comic Book" panose="02000500000000000000" pitchFamily="2" charset="0"/>
-            </a:endParaRPr>
+            <a:pPr algn="ctr"/>
+            <a:r>
+              <a:rPr lang="en-US" sz="3200" dirty="0">
+                <a:latin typeface="Comic Book" panose="02000500000000000000" pitchFamily="2" charset="0"/>
+              </a:rPr>
+              <a:t>CSS &amp; HTML</a:t>
+            </a:r>
           </a:p>
         </p:txBody>
       </p:sp>
@@ -6313,19 +6317,106 @@
         <p:spPr>
           <a:xfrm>
             <a:off x="1402733" y="2061256"/>
-            <a:ext cx="10281200" cy="4404800"/>
+            <a:ext cx="5235573" cy="3847374"/>
           </a:xfrm>
         </p:spPr>
         <p:txBody>
           <a:bodyPr/>
           <a:lstStyle/>
           <a:p>
-            <a:endParaRPr lang="en-US" sz="2400" dirty="0">
-              <a:latin typeface="Comic Book" panose="02000500000000000000" pitchFamily="2" charset="0"/>
-            </a:endParaRPr>
+            <a:r>
+              <a:rPr lang="en-US" sz="2400" dirty="0">
+                <a:latin typeface="Comic Book" panose="02000500000000000000" pitchFamily="2" charset="0"/>
+              </a:rPr>
+              <a:t>Index.html</a:t>
+            </a:r>
+          </a:p>
+          <a:p>
+            <a:r>
+              <a:rPr lang="en-US" sz="2400" dirty="0">
+                <a:latin typeface="Comic Book" panose="02000500000000000000" pitchFamily="2" charset="0"/>
+              </a:rPr>
+              <a:t>Powerstats.html</a:t>
+            </a:r>
+          </a:p>
+          <a:p>
+            <a:r>
+              <a:rPr lang="en-US" sz="2400" dirty="0">
+                <a:latin typeface="Comic Book" panose="02000500000000000000" pitchFamily="2" charset="0"/>
+              </a:rPr>
+              <a:t>Top50.html</a:t>
+            </a:r>
+          </a:p>
+          <a:p>
+            <a:r>
+              <a:rPr lang="en-US" sz="2400" dirty="0">
+                <a:latin typeface="Comic Book" panose="02000500000000000000" pitchFamily="2" charset="0"/>
+              </a:rPr>
+              <a:t>Style.css</a:t>
+            </a:r>
           </a:p>
         </p:txBody>
       </p:sp>
+      <p:pic>
+        <p:nvPicPr>
+          <p:cNvPr id="3" name="Picture 2">
+            <a:extLst>
+              <a:ext uri="{FF2B5EF4-FFF2-40B4-BE49-F238E27FC236}">
+                <a16:creationId xmlns:a16="http://schemas.microsoft.com/office/drawing/2014/main" id="{50185808-F10A-44EF-810F-B8F07E13AFE6}"/>
+              </a:ext>
+            </a:extLst>
+          </p:cNvPr>
+          <p:cNvPicPr>
+            <a:picLocks noChangeAspect="1"/>
+          </p:cNvPicPr>
+          <p:nvPr/>
+        </p:nvPicPr>
+        <p:blipFill>
+          <a:blip r:embed="rId2"/>
+          <a:stretch>
+            <a:fillRect/>
+          </a:stretch>
+        </p:blipFill>
+        <p:spPr>
+          <a:xfrm>
+            <a:off x="6786438" y="2126773"/>
+            <a:ext cx="4200525" cy="2028825"/>
+          </a:xfrm>
+          <a:prstGeom prst="rect">
+            <a:avLst/>
+          </a:prstGeom>
+        </p:spPr>
+      </p:pic>
+      <p:pic>
+        <p:nvPicPr>
+          <p:cNvPr id="5" name="Picture 4">
+            <a:extLst>
+              <a:ext uri="{FF2B5EF4-FFF2-40B4-BE49-F238E27FC236}">
+                <a16:creationId xmlns:a16="http://schemas.microsoft.com/office/drawing/2014/main" id="{F5D516FF-DEFE-4F3F-9570-AD4B79C11AC4}"/>
+              </a:ext>
+            </a:extLst>
+          </p:cNvPr>
+          <p:cNvPicPr>
+            <a:picLocks noChangeAspect="1"/>
+          </p:cNvPicPr>
+          <p:nvPr/>
+        </p:nvPicPr>
+        <p:blipFill>
+          <a:blip r:embed="rId3"/>
+          <a:stretch>
+            <a:fillRect/>
+          </a:stretch>
+        </p:blipFill>
+        <p:spPr>
+          <a:xfrm>
+            <a:off x="7245449" y="4279855"/>
+            <a:ext cx="3448050" cy="1628775"/>
+          </a:xfrm>
+          <a:prstGeom prst="rect">
+            <a:avLst/>
+          </a:prstGeom>
+        </p:spPr>
+      </p:pic>
     </p:spTree>
     <p:extLst>
       <p:ext uri="{BB962C8B-B14F-4D97-AF65-F5344CB8AC3E}">
@@ -6377,9 +6468,13 @@
           <a:bodyPr/>
           <a:lstStyle/>
           <a:p>
-            <a:endParaRPr lang="en-US" sz="3200" dirty="0">
-              <a:latin typeface="Comic Book" panose="02000500000000000000" pitchFamily="2" charset="0"/>
-            </a:endParaRPr>
+            <a:pPr algn="ctr"/>
+            <a:r>
+              <a:rPr lang="en-US" sz="3200" dirty="0">
+                <a:latin typeface="Comic Book" panose="02000500000000000000" pitchFamily="2" charset="0"/>
+              </a:rPr>
+              <a:t>The Source Material</a:t>
+            </a:r>
           </a:p>
         </p:txBody>
       </p:sp>
@@ -6409,9 +6504,28 @@
           <a:bodyPr/>
           <a:lstStyle/>
           <a:p>
-            <a:endParaRPr lang="en-US" dirty="0">
-              <a:latin typeface="Comic Book" panose="02000500000000000000" pitchFamily="2" charset="0"/>
-            </a:endParaRPr>
+            <a:r>
+              <a:rPr lang="en-US" dirty="0">
+                <a:latin typeface="Comic Book" panose="02000500000000000000" pitchFamily="2" charset="0"/>
+              </a:rPr>
+              <a:t>Used Kaggle to obtain data in CSV</a:t>
+            </a:r>
+          </a:p>
+          <a:p>
+            <a:r>
+              <a:rPr lang="en-US" dirty="0">
+                <a:latin typeface="Comic Book" panose="02000500000000000000" pitchFamily="2" charset="0"/>
+              </a:rPr>
+              <a:t>SQL to separate data into 2 CSVs</a:t>
+            </a:r>
+          </a:p>
+          <a:p>
+            <a:r>
+              <a:rPr lang="en-US" dirty="0">
+                <a:latin typeface="Comic Book" panose="02000500000000000000" pitchFamily="2" charset="0"/>
+              </a:rPr>
+              <a:t>Excel to drop data and create new column</a:t>
+            </a:r>
           </a:p>
         </p:txBody>
       </p:sp>
@@ -7453,9 +7567,13 @@
           <a:bodyPr/>
           <a:lstStyle/>
           <a:p>
-            <a:endParaRPr lang="en-US" sz="3200" dirty="0">
-              <a:latin typeface="Comic Book" panose="02000500000000000000" pitchFamily="2" charset="0"/>
-            </a:endParaRPr>
+            <a:pPr algn="ctr"/>
+            <a:r>
+              <a:rPr lang="en-US" sz="3200" dirty="0">
+                <a:latin typeface="Comic Book" panose="02000500000000000000" pitchFamily="2" charset="0"/>
+              </a:rPr>
+              <a:t>FLASK</a:t>
+            </a:r>
           </a:p>
         </p:txBody>
       </p:sp>
@@ -7510,9 +7628,13 @@
           <a:bodyPr/>
           <a:lstStyle/>
           <a:p>
-            <a:endParaRPr lang="en-US" sz="3200" dirty="0">
-              <a:latin typeface="Comic Book" panose="02000500000000000000" pitchFamily="2" charset="0"/>
-            </a:endParaRPr>
+            <a:pPr algn="ctr"/>
+            <a:r>
+              <a:rPr lang="en-US" sz="3200" dirty="0">
+                <a:latin typeface="Comic Book" panose="02000500000000000000" pitchFamily="2" charset="0"/>
+              </a:rPr>
+              <a:t>JAVASCRIPT</a:t>
+            </a:r>
           </a:p>
         </p:txBody>
       </p:sp>
@@ -7535,19 +7657,76 @@
         <p:spPr>
           <a:xfrm>
             <a:off x="1431499" y="2402567"/>
-            <a:ext cx="9261999" cy="3219066"/>
+            <a:ext cx="5254309" cy="3219066"/>
           </a:xfrm>
         </p:spPr>
         <p:txBody>
           <a:bodyPr/>
           <a:lstStyle/>
           <a:p>
-            <a:endParaRPr lang="en-US" sz="2400" dirty="0">
-              <a:latin typeface="Comic Book" panose="02000500000000000000" pitchFamily="2" charset="0"/>
-            </a:endParaRPr>
+            <a:r>
+              <a:rPr lang="en-US" sz="2400" dirty="0">
+                <a:latin typeface="Comic Book" panose="02000500000000000000" pitchFamily="2" charset="0"/>
+              </a:rPr>
+              <a:t>App.js</a:t>
+            </a:r>
+          </a:p>
+          <a:p>
+            <a:r>
+              <a:rPr lang="en-US" sz="2400" dirty="0">
+                <a:latin typeface="Comic Book" panose="02000500000000000000" pitchFamily="2" charset="0"/>
+              </a:rPr>
+              <a:t>Biography.js</a:t>
+            </a:r>
+          </a:p>
+          <a:p>
+            <a:r>
+              <a:rPr lang="en-US" sz="2400" dirty="0">
+                <a:latin typeface="Comic Book" panose="02000500000000000000" pitchFamily="2" charset="0"/>
+              </a:rPr>
+              <a:t>Dc_vs_marvel.js</a:t>
+            </a:r>
+          </a:p>
+          <a:p>
+            <a:r>
+              <a:rPr lang="en-US" sz="2400" dirty="0">
+                <a:latin typeface="Comic Book" panose="02000500000000000000" pitchFamily="2" charset="0"/>
+              </a:rPr>
+              <a:t>Table.js</a:t>
+            </a:r>
           </a:p>
         </p:txBody>
       </p:sp>
+      <p:pic>
+        <p:nvPicPr>
+          <p:cNvPr id="5" name="Picture 4">
+            <a:extLst>
+              <a:ext uri="{FF2B5EF4-FFF2-40B4-BE49-F238E27FC236}">
+                <a16:creationId xmlns:a16="http://schemas.microsoft.com/office/drawing/2014/main" id="{4C942BD0-3600-4FA6-B5A7-6B7E37B7B64D}"/>
+              </a:ext>
+            </a:extLst>
+          </p:cNvPr>
+          <p:cNvPicPr>
+            <a:picLocks noChangeAspect="1"/>
+          </p:cNvPicPr>
+          <p:nvPr/>
+        </p:nvPicPr>
+        <p:blipFill>
+          <a:blip r:embed="rId2"/>
+          <a:stretch>
+            <a:fillRect/>
+          </a:stretch>
+        </p:blipFill>
+        <p:spPr>
+          <a:xfrm>
+            <a:off x="6685808" y="2967287"/>
+            <a:ext cx="4066776" cy="1868130"/>
+          </a:xfrm>
+          <a:prstGeom prst="rect">
+            <a:avLst/>
+          </a:prstGeom>
+        </p:spPr>
+      </p:pic>
     </p:spTree>
     <p:extLst>
       <p:ext uri="{BB962C8B-B14F-4D97-AF65-F5344CB8AC3E}">

--- a/The Superhero Super Database!.pptx
+++ b/The Superhero Super Database!.pptx
@@ -7633,7 +7633,7 @@
               <a:rPr lang="en-US" sz="3200" dirty="0">
                 <a:latin typeface="Comic Book" panose="02000500000000000000" pitchFamily="2" charset="0"/>
               </a:rPr>
-              <a:t>JAVASCRIPT</a:t>
+              <a:t>FLASK &amp; JAVASCRIPT</a:t>
             </a:r>
           </a:p>
         </p:txBody>
